--- a/SLP_Project_Demo.pptx
+++ b/SLP_Project_Demo.pptx
@@ -7,6 +7,11 @@
   <p:sldIdLst>
     <p:sldId id="256" r:id="rId2"/>
     <p:sldId id="257" r:id="rId3"/>
+    <p:sldId id="258" r:id="rId4"/>
+    <p:sldId id="259" r:id="rId5"/>
+    <p:sldId id="260" r:id="rId6"/>
+    <p:sldId id="261" r:id="rId7"/>
+    <p:sldId id="262" r:id="rId8"/>
   </p:sldIdLst>
   <p:sldSz cx="12192000" cy="6858000"/>
   <p:notesSz cx="6858000" cy="9144000"/>
@@ -105,6 +110,11 @@
       </a:defRPr>
     </a:lvl9pPr>
   </p:defaultTextStyle>
+  <p:extLst>
+    <p:ext uri="{EFAFB233-063F-42B5-8137-9DF3F51BA10A}">
+      <p15:sldGuideLst xmlns:p15="http://schemas.microsoft.com/office/powerpoint/2012/main"/>
+    </p:ext>
+  </p:extLst>
 </p:presentation>
 </file>
 
@@ -5411,9 +5421,28 @@
   <p:cSld>
     <p:bg>
       <p:bgPr>
-        <a:solidFill>
-          <a:schemeClr val="tx1"/>
-        </a:solidFill>
+        <a:gradFill>
+          <a:gsLst>
+            <a:gs pos="72000">
+              <a:schemeClr val="bg2">
+                <a:tint val="97000"/>
+                <a:hueMod val="92000"/>
+                <a:satMod val="169000"/>
+                <a:alpha val="42000"/>
+                <a:lumMod val="45000"/>
+                <a:lumOff val="55000"/>
+              </a:schemeClr>
+            </a:gs>
+            <a:gs pos="100000">
+              <a:schemeClr val="bg2">
+                <a:shade val="96000"/>
+                <a:satMod val="120000"/>
+                <a:lumMod val="90000"/>
+              </a:schemeClr>
+            </a:gs>
+          </a:gsLst>
+          <a:lin ang="6120000" scaled="1"/>
+        </a:gradFill>
         <a:effectLst/>
       </p:bgPr>
     </p:bg>
@@ -5445,8 +5474,8 @@
         </p:nvSpPr>
         <p:spPr>
           <a:xfrm>
-            <a:off x="553673" y="310393"/>
-            <a:ext cx="10997967" cy="584775"/>
+            <a:off x="494950" y="243281"/>
+            <a:ext cx="10997967" cy="707886"/>
           </a:xfrm>
           <a:prstGeom prst="rect">
             <a:avLst/>
@@ -5459,13 +5488,10 @@
           </a:bodyPr>
           <a:lstStyle/>
           <a:p>
-            <a:r>
-              <a:rPr lang="en-US" sz="3200" dirty="0">
-                <a:solidFill>
-                  <a:schemeClr val="bg1"/>
-                </a:solidFill>
-              </a:rPr>
-              <a:t>Presentation Outline:</a:t>
+            <a:pPr algn="ctr"/>
+            <a:r>
+              <a:rPr lang="en-US" sz="4000" dirty="0"/>
+              <a:t>Presentation Outline</a:t>
             </a:r>
           </a:p>
         </p:txBody>
@@ -5484,8 +5510,8 @@
         </p:nvSpPr>
         <p:spPr>
           <a:xfrm>
-            <a:off x="671119" y="895168"/>
-            <a:ext cx="10385571" cy="2031325"/>
+            <a:off x="1937856" y="1927015"/>
+            <a:ext cx="10385571" cy="3785652"/>
           </a:xfrm>
           <a:prstGeom prst="rect">
             <a:avLst/>
@@ -5498,16 +5524,187 @@
           </a:bodyPr>
           <a:lstStyle/>
           <a:p>
-            <a:r>
-              <a:rPr lang="en-US" dirty="0">
+            <a:pPr marL="285750" indent="-285750">
+              <a:buFont typeface="Arial" panose="020B0604020202020204" pitchFamily="34" charset="0"/>
+              <a:buChar char="•"/>
+            </a:pPr>
+            <a:r>
+              <a:rPr lang="en-US" sz="4000" dirty="0">
                 <a:solidFill>
                   <a:schemeClr val="bg1"/>
                 </a:solidFill>
               </a:rPr>
-              <a:t>Project Demo</a:t>
-            </a:r>
-          </a:p>
-          <a:p>
+              <a:t>Project Demo!!</a:t>
+            </a:r>
+          </a:p>
+          <a:p>
+            <a:endParaRPr lang="en-US" sz="4000" dirty="0">
+              <a:solidFill>
+                <a:schemeClr val="bg1"/>
+              </a:solidFill>
+            </a:endParaRPr>
+          </a:p>
+          <a:p>
+            <a:pPr marL="285750" indent="-285750">
+              <a:buFont typeface="Arial" panose="020B0604020202020204" pitchFamily="34" charset="0"/>
+              <a:buChar char="•"/>
+            </a:pPr>
+            <a:r>
+              <a:rPr lang="en-US" sz="4000" dirty="0">
+                <a:solidFill>
+                  <a:schemeClr val="bg1"/>
+                </a:solidFill>
+              </a:rPr>
+              <a:t>What is the project?</a:t>
+            </a:r>
+          </a:p>
+          <a:p>
+            <a:endParaRPr lang="en-US" sz="4000" dirty="0">
+              <a:solidFill>
+                <a:schemeClr val="bg1"/>
+              </a:solidFill>
+            </a:endParaRPr>
+          </a:p>
+          <a:p>
+            <a:pPr marL="285750" indent="-285750">
+              <a:buFont typeface="Arial" panose="020B0604020202020204" pitchFamily="34" charset="0"/>
+              <a:buChar char="•"/>
+            </a:pPr>
+            <a:r>
+              <a:rPr lang="en-US" sz="4000" dirty="0">
+                <a:solidFill>
+                  <a:schemeClr val="bg1"/>
+                </a:solidFill>
+              </a:rPr>
+              <a:t>What specific tools were used to construct the project?</a:t>
+            </a:r>
+          </a:p>
+        </p:txBody>
+      </p:sp>
+    </p:spTree>
+    <p:extLst>
+      <p:ext uri="{BB962C8B-B14F-4D97-AF65-F5344CB8AC3E}">
+        <p14:creationId xmlns:p14="http://schemas.microsoft.com/office/powerpoint/2010/main" val="1992069777"/>
+      </p:ext>
+    </p:extLst>
+  </p:cSld>
+  <p:clrMapOvr>
+    <a:masterClrMapping/>
+  </p:clrMapOvr>
+</p:sld>
+</file>
+
+<file path=ppt/slides/slide3.xml><?xml version="1.0" encoding="utf-8"?>
+<p:sld xmlns:a="http://schemas.openxmlformats.org/drawingml/2006/main" xmlns:r="http://schemas.openxmlformats.org/officeDocument/2006/relationships" xmlns:p="http://schemas.openxmlformats.org/presentationml/2006/main">
+  <p:cSld>
+    <p:bg>
+      <p:bgPr>
+        <a:gradFill rotWithShape="1">
+          <a:gsLst>
+            <a:gs pos="45000">
+              <a:schemeClr val="bg2">
+                <a:tint val="97000"/>
+                <a:hueMod val="92000"/>
+                <a:satMod val="169000"/>
+                <a:lumMod val="164000"/>
+                <a:alpha val="42000"/>
+              </a:schemeClr>
+            </a:gs>
+            <a:gs pos="100000">
+              <a:schemeClr val="bg2">
+                <a:shade val="96000"/>
+                <a:satMod val="120000"/>
+                <a:lumMod val="90000"/>
+              </a:schemeClr>
+            </a:gs>
+          </a:gsLst>
+          <a:lin ang="6120000" scaled="1"/>
+        </a:gradFill>
+        <a:effectLst/>
+      </p:bgPr>
+    </p:bg>
+    <p:spTree>
+      <p:nvGrpSpPr>
+        <p:cNvPr id="1" name=""/>
+        <p:cNvGrpSpPr/>
+        <p:nvPr/>
+      </p:nvGrpSpPr>
+      <p:grpSpPr>
+        <a:xfrm>
+          <a:off x="0" y="0"/>
+          <a:ext cx="0" cy="0"/>
+          <a:chOff x="0" y="0"/>
+          <a:chExt cx="0" cy="0"/>
+        </a:xfrm>
+      </p:grpSpPr>
+      <p:sp>
+        <p:nvSpPr>
+          <p:cNvPr id="2" name="TextBox 1">
+            <a:extLst>
+              <a:ext uri="{FF2B5EF4-FFF2-40B4-BE49-F238E27FC236}">
+                <a16:creationId xmlns:a16="http://schemas.microsoft.com/office/drawing/2014/main" id="{4AA3434D-812A-4CE8-898C-B13FE28A4317}"/>
+              </a:ext>
+            </a:extLst>
+          </p:cNvPr>
+          <p:cNvSpPr txBox="1"/>
+          <p:nvPr/>
+        </p:nvSpPr>
+        <p:spPr>
+          <a:xfrm>
+            <a:off x="903111" y="598311"/>
+            <a:ext cx="10498667" cy="707886"/>
+          </a:xfrm>
+          <a:prstGeom prst="rect">
+            <a:avLst/>
+          </a:prstGeom>
+          <a:noFill/>
+        </p:spPr>
+        <p:txBody>
+          <a:bodyPr wrap="square" rtlCol="0">
+            <a:spAutoFit/>
+          </a:bodyPr>
+          <a:lstStyle/>
+          <a:p>
+            <a:pPr algn="ctr"/>
+            <a:r>
+              <a:rPr lang="en-US" sz="4000" dirty="0"/>
+              <a:t>Project Demo!!</a:t>
+            </a:r>
+          </a:p>
+        </p:txBody>
+      </p:sp>
+      <p:sp>
+        <p:nvSpPr>
+          <p:cNvPr id="3" name="TextBox 2">
+            <a:extLst>
+              <a:ext uri="{FF2B5EF4-FFF2-40B4-BE49-F238E27FC236}">
+                <a16:creationId xmlns:a16="http://schemas.microsoft.com/office/drawing/2014/main" id="{B2F78DDD-C706-480F-BCF3-193E6E4B6B08}"/>
+              </a:ext>
+            </a:extLst>
+          </p:cNvPr>
+          <p:cNvSpPr txBox="1"/>
+          <p:nvPr/>
+        </p:nvSpPr>
+        <p:spPr>
+          <a:xfrm>
+            <a:off x="951722" y="1931437"/>
+            <a:ext cx="10515600" cy="2677656"/>
+          </a:xfrm>
+          <a:prstGeom prst="rect">
+            <a:avLst/>
+          </a:prstGeom>
+          <a:noFill/>
+        </p:spPr>
+        <p:txBody>
+          <a:bodyPr wrap="square" rtlCol="0">
+            <a:spAutoFit/>
+          </a:bodyPr>
+          <a:lstStyle/>
+          <a:p>
+            <a:pPr marL="285750" indent="-285750">
+              <a:buFont typeface="Arial" panose="020B0604020202020204" pitchFamily="34" charset="0"/>
+              <a:buChar char="•"/>
+            </a:pPr>
             <a:endParaRPr lang="en-US" dirty="0">
               <a:solidFill>
                 <a:schemeClr val="bg1"/>
@@ -5515,16 +5712,35 @@
             </a:endParaRPr>
           </a:p>
           <a:p>
-            <a:r>
-              <a:rPr lang="en-US" dirty="0">
+            <a:pPr marL="285750" indent="-285750">
+              <a:buFont typeface="Arial" panose="020B0604020202020204" pitchFamily="34" charset="0"/>
+              <a:buChar char="•"/>
+            </a:pPr>
+            <a:endParaRPr lang="en-US" sz="2400" dirty="0">
+              <a:solidFill>
+                <a:schemeClr val="bg1"/>
+              </a:solidFill>
+            </a:endParaRPr>
+          </a:p>
+          <a:p>
+            <a:pPr marL="285750" indent="-285750">
+              <a:buFont typeface="Arial" panose="020B0604020202020204" pitchFamily="34" charset="0"/>
+              <a:buChar char="•"/>
+            </a:pPr>
+            <a:r>
+              <a:rPr lang="en-US" sz="2400" dirty="0">
                 <a:solidFill>
                   <a:schemeClr val="bg1"/>
                 </a:solidFill>
               </a:rPr>
-              <a:t>What is the Project</a:t>
-            </a:r>
-          </a:p>
-          <a:p>
+              <a:t>The player will enter a command into the terminal when prompted,  and an in game response and action will occur based on the command entered. Time to play!</a:t>
+            </a:r>
+          </a:p>
+          <a:p>
+            <a:pPr marL="285750" indent="-285750">
+              <a:buFont typeface="Arial" panose="020B0604020202020204" pitchFamily="34" charset="0"/>
+              <a:buChar char="•"/>
+            </a:pPr>
             <a:endParaRPr lang="en-US" dirty="0">
               <a:solidFill>
                 <a:schemeClr val="bg1"/>
@@ -5532,6 +5748,10 @@
             </a:endParaRPr>
           </a:p>
           <a:p>
+            <a:pPr marL="285750" indent="-285750">
+              <a:buFont typeface="Arial" panose="020B0604020202020204" pitchFamily="34" charset="0"/>
+              <a:buChar char="•"/>
+            </a:pPr>
             <a:endParaRPr lang="en-US" dirty="0">
               <a:solidFill>
                 <a:schemeClr val="bg1"/>
@@ -5545,17 +5765,7 @@
                   <a:schemeClr val="bg1"/>
                 </a:solidFill>
               </a:rPr>
-              <a:t>What was used to build It</a:t>
-            </a:r>
-          </a:p>
-          <a:p>
-            <a:r>
-              <a:rPr lang="en-US" dirty="0">
-                <a:solidFill>
-                  <a:schemeClr val="bg1"/>
-                </a:solidFill>
-              </a:rPr>
-              <a:t>	and how?</a:t>
+              <a:t> </a:t>
             </a:r>
           </a:p>
         </p:txBody>
@@ -5563,7 +5773,718 @@
     </p:spTree>
     <p:extLst>
       <p:ext uri="{BB962C8B-B14F-4D97-AF65-F5344CB8AC3E}">
-        <p14:creationId xmlns:p14="http://schemas.microsoft.com/office/powerpoint/2010/main" val="1992069777"/>
+        <p14:creationId xmlns:p14="http://schemas.microsoft.com/office/powerpoint/2010/main" val="2567866835"/>
+      </p:ext>
+    </p:extLst>
+  </p:cSld>
+  <p:clrMapOvr>
+    <a:masterClrMapping/>
+  </p:clrMapOvr>
+</p:sld>
+</file>
+
+<file path=ppt/slides/slide4.xml><?xml version="1.0" encoding="utf-8"?>
+<p:sld xmlns:a="http://schemas.openxmlformats.org/drawingml/2006/main" xmlns:r="http://schemas.openxmlformats.org/officeDocument/2006/relationships" xmlns:p="http://schemas.openxmlformats.org/presentationml/2006/main">
+  <p:cSld>
+    <p:spTree>
+      <p:nvGrpSpPr>
+        <p:cNvPr id="1" name=""/>
+        <p:cNvGrpSpPr/>
+        <p:nvPr/>
+      </p:nvGrpSpPr>
+      <p:grpSpPr>
+        <a:xfrm>
+          <a:off x="0" y="0"/>
+          <a:ext cx="0" cy="0"/>
+          <a:chOff x="0" y="0"/>
+          <a:chExt cx="0" cy="0"/>
+        </a:xfrm>
+      </p:grpSpPr>
+      <p:sp>
+        <p:nvSpPr>
+          <p:cNvPr id="2" name="TextBox 1">
+            <a:extLst>
+              <a:ext uri="{FF2B5EF4-FFF2-40B4-BE49-F238E27FC236}">
+                <a16:creationId xmlns:a16="http://schemas.microsoft.com/office/drawing/2014/main" id="{7EEB0838-2460-46CF-97C4-88A8168E300B}"/>
+              </a:ext>
+            </a:extLst>
+          </p:cNvPr>
+          <p:cNvSpPr txBox="1"/>
+          <p:nvPr/>
+        </p:nvSpPr>
+        <p:spPr>
+          <a:xfrm>
+            <a:off x="634482" y="466531"/>
+            <a:ext cx="10571583" cy="584775"/>
+          </a:xfrm>
+          <a:prstGeom prst="rect">
+            <a:avLst/>
+          </a:prstGeom>
+          <a:noFill/>
+        </p:spPr>
+        <p:txBody>
+          <a:bodyPr wrap="square" rtlCol="0">
+            <a:spAutoFit/>
+          </a:bodyPr>
+          <a:lstStyle/>
+          <a:p>
+            <a:pPr algn="ctr"/>
+            <a:r>
+              <a:rPr lang="en-US" sz="3200" dirty="0"/>
+              <a:t>What is the project?</a:t>
+            </a:r>
+          </a:p>
+        </p:txBody>
+      </p:sp>
+      <p:sp>
+        <p:nvSpPr>
+          <p:cNvPr id="4" name="TextBox 3">
+            <a:extLst>
+              <a:ext uri="{FF2B5EF4-FFF2-40B4-BE49-F238E27FC236}">
+                <a16:creationId xmlns:a16="http://schemas.microsoft.com/office/drawing/2014/main" id="{54792AD3-A9AF-4FF4-A989-AB6013B8DBD8}"/>
+              </a:ext>
+            </a:extLst>
+          </p:cNvPr>
+          <p:cNvSpPr txBox="1"/>
+          <p:nvPr/>
+        </p:nvSpPr>
+        <p:spPr>
+          <a:xfrm>
+            <a:off x="466531" y="1735494"/>
+            <a:ext cx="11168742" cy="4924425"/>
+          </a:xfrm>
+          <a:prstGeom prst="rect">
+            <a:avLst/>
+          </a:prstGeom>
+          <a:noFill/>
+        </p:spPr>
+        <p:txBody>
+          <a:bodyPr wrap="square" rtlCol="0">
+            <a:spAutoFit/>
+          </a:bodyPr>
+          <a:lstStyle/>
+          <a:p>
+            <a:pPr marL="285750" indent="-285750">
+              <a:lnSpc>
+                <a:spcPct val="150000"/>
+              </a:lnSpc>
+              <a:buFont typeface="Arial" panose="020B0604020202020204" pitchFamily="34" charset="0"/>
+              <a:buChar char="•"/>
+            </a:pPr>
+            <a:r>
+              <a:rPr lang="en-US" sz="2000" dirty="0">
+                <a:solidFill>
+                  <a:schemeClr val="bg1"/>
+                </a:solidFill>
+              </a:rPr>
+              <a:t>This project is an attempt to reverse engineer the idea behind “Twitch Plays </a:t>
+            </a:r>
+            <a:r>
+              <a:rPr lang="en-US" sz="2000" dirty="0" err="1">
+                <a:solidFill>
+                  <a:schemeClr val="bg1"/>
+                </a:solidFill>
+              </a:rPr>
+              <a:t>Pokemon</a:t>
+            </a:r>
+            <a:r>
+              <a:rPr lang="en-US" sz="2000" dirty="0">
+                <a:solidFill>
+                  <a:schemeClr val="bg1"/>
+                </a:solidFill>
+              </a:rPr>
+              <a:t>”, just without the </a:t>
+            </a:r>
+            <a:r>
+              <a:rPr lang="en-US" sz="2000" dirty="0" err="1">
+                <a:solidFill>
+                  <a:schemeClr val="bg1"/>
+                </a:solidFill>
+              </a:rPr>
+              <a:t>Pokemon</a:t>
+            </a:r>
+            <a:r>
+              <a:rPr lang="en-US" sz="2000" dirty="0">
+                <a:solidFill>
+                  <a:schemeClr val="bg1"/>
+                </a:solidFill>
+              </a:rPr>
+              <a:t> or the scalability of the Twitch.tv streaming platform.</a:t>
+            </a:r>
+          </a:p>
+          <a:p>
+            <a:pPr marL="285750" indent="-285750">
+              <a:lnSpc>
+                <a:spcPct val="150000"/>
+              </a:lnSpc>
+              <a:buFont typeface="Arial" panose="020B0604020202020204" pitchFamily="34" charset="0"/>
+              <a:buChar char="•"/>
+            </a:pPr>
+            <a:endParaRPr lang="en-US" sz="2000" dirty="0">
+              <a:solidFill>
+                <a:schemeClr val="bg1"/>
+              </a:solidFill>
+            </a:endParaRPr>
+          </a:p>
+          <a:p>
+            <a:pPr marL="285750" indent="-285750">
+              <a:buFont typeface="Arial" panose="020B0604020202020204" pitchFamily="34" charset="0"/>
+              <a:buChar char="•"/>
+            </a:pPr>
+            <a:endParaRPr lang="en-US" sz="2000" dirty="0">
+              <a:solidFill>
+                <a:schemeClr val="bg1"/>
+              </a:solidFill>
+            </a:endParaRPr>
+          </a:p>
+          <a:p>
+            <a:pPr marL="285750" indent="-285750">
+              <a:lnSpc>
+                <a:spcPct val="150000"/>
+              </a:lnSpc>
+              <a:buFont typeface="Arial" panose="020B0604020202020204" pitchFamily="34" charset="0"/>
+              <a:buChar char="•"/>
+            </a:pPr>
+            <a:r>
+              <a:rPr lang="en-US" sz="2000" dirty="0">
+                <a:solidFill>
+                  <a:schemeClr val="bg1"/>
+                </a:solidFill>
+              </a:rPr>
+              <a:t>The demo focuses on interactions between client/server programs and a game program. </a:t>
+            </a:r>
+            <a:r>
+              <a:rPr lang="en-US" sz="2000" dirty="0" err="1">
+                <a:solidFill>
+                  <a:schemeClr val="bg1"/>
+                </a:solidFill>
+              </a:rPr>
+              <a:t>Ngrok</a:t>
+            </a:r>
+            <a:r>
+              <a:rPr lang="en-US" sz="2000" dirty="0">
+                <a:solidFill>
+                  <a:schemeClr val="bg1"/>
+                </a:solidFill>
+              </a:rPr>
+              <a:t> software exposes the local server to the public internet.</a:t>
+            </a:r>
+          </a:p>
+          <a:p>
+            <a:pPr marL="285750" indent="-285750">
+              <a:lnSpc>
+                <a:spcPct val="150000"/>
+              </a:lnSpc>
+              <a:buFont typeface="Arial" panose="020B0604020202020204" pitchFamily="34" charset="0"/>
+              <a:buChar char="•"/>
+            </a:pPr>
+            <a:endParaRPr lang="en-US" sz="2000" dirty="0">
+              <a:solidFill>
+                <a:schemeClr val="bg1"/>
+              </a:solidFill>
+            </a:endParaRPr>
+          </a:p>
+          <a:p>
+            <a:pPr marL="285750" indent="-285750">
+              <a:lnSpc>
+                <a:spcPct val="150000"/>
+              </a:lnSpc>
+              <a:buFont typeface="Arial" panose="020B0604020202020204" pitchFamily="34" charset="0"/>
+              <a:buChar char="•"/>
+            </a:pPr>
+            <a:endParaRPr lang="en-US" sz="2000" dirty="0">
+              <a:solidFill>
+                <a:schemeClr val="bg1"/>
+              </a:solidFill>
+            </a:endParaRPr>
+          </a:p>
+          <a:p>
+            <a:pPr marL="285750" indent="-285750">
+              <a:lnSpc>
+                <a:spcPct val="150000"/>
+              </a:lnSpc>
+              <a:buFont typeface="Arial" panose="020B0604020202020204" pitchFamily="34" charset="0"/>
+              <a:buChar char="•"/>
+            </a:pPr>
+            <a:endParaRPr lang="en-US" sz="2000" dirty="0">
+              <a:solidFill>
+                <a:schemeClr val="bg1"/>
+              </a:solidFill>
+            </a:endParaRPr>
+          </a:p>
+          <a:p>
+            <a:pPr marL="285750" indent="-285750">
+              <a:buFont typeface="Arial" panose="020B0604020202020204" pitchFamily="34" charset="0"/>
+              <a:buChar char="•"/>
+            </a:pPr>
+            <a:endParaRPr lang="en-US" dirty="0">
+              <a:solidFill>
+                <a:schemeClr val="bg1"/>
+              </a:solidFill>
+            </a:endParaRPr>
+          </a:p>
+          <a:p>
+            <a:pPr marL="285750" indent="-285750">
+              <a:buFont typeface="Arial" panose="020B0604020202020204" pitchFamily="34" charset="0"/>
+              <a:buChar char="•"/>
+            </a:pPr>
+            <a:endParaRPr lang="en-US" dirty="0">
+              <a:solidFill>
+                <a:schemeClr val="bg1"/>
+              </a:solidFill>
+            </a:endParaRPr>
+          </a:p>
+          <a:p>
+            <a:endParaRPr lang="en-US" dirty="0"/>
+          </a:p>
+        </p:txBody>
+      </p:sp>
+    </p:spTree>
+    <p:extLst>
+      <p:ext uri="{BB962C8B-B14F-4D97-AF65-F5344CB8AC3E}">
+        <p14:creationId xmlns:p14="http://schemas.microsoft.com/office/powerpoint/2010/main" val="1296257459"/>
+      </p:ext>
+    </p:extLst>
+  </p:cSld>
+  <p:clrMapOvr>
+    <a:masterClrMapping/>
+  </p:clrMapOvr>
+</p:sld>
+</file>
+
+<file path=ppt/slides/slide5.xml><?xml version="1.0" encoding="utf-8"?>
+<p:sld xmlns:a="http://schemas.openxmlformats.org/drawingml/2006/main" xmlns:r="http://schemas.openxmlformats.org/officeDocument/2006/relationships" xmlns:p="http://schemas.openxmlformats.org/presentationml/2006/main">
+  <p:cSld>
+    <p:spTree>
+      <p:nvGrpSpPr>
+        <p:cNvPr id="1" name=""/>
+        <p:cNvGrpSpPr/>
+        <p:nvPr/>
+      </p:nvGrpSpPr>
+      <p:grpSpPr>
+        <a:xfrm>
+          <a:off x="0" y="0"/>
+          <a:ext cx="0" cy="0"/>
+          <a:chOff x="0" y="0"/>
+          <a:chExt cx="0" cy="0"/>
+        </a:xfrm>
+      </p:grpSpPr>
+      <p:sp>
+        <p:nvSpPr>
+          <p:cNvPr id="2" name="TextBox 1">
+            <a:extLst>
+              <a:ext uri="{FF2B5EF4-FFF2-40B4-BE49-F238E27FC236}">
+                <a16:creationId xmlns:a16="http://schemas.microsoft.com/office/drawing/2014/main" id="{A9E904F4-09D1-4466-9F67-3E9C446CDA55}"/>
+              </a:ext>
+            </a:extLst>
+          </p:cNvPr>
+          <p:cNvSpPr txBox="1"/>
+          <p:nvPr/>
+        </p:nvSpPr>
+        <p:spPr>
+          <a:xfrm>
+            <a:off x="466531" y="335902"/>
+            <a:ext cx="11103428" cy="1077218"/>
+          </a:xfrm>
+          <a:prstGeom prst="rect">
+            <a:avLst/>
+          </a:prstGeom>
+          <a:noFill/>
+        </p:spPr>
+        <p:txBody>
+          <a:bodyPr wrap="square" rtlCol="0">
+            <a:spAutoFit/>
+          </a:bodyPr>
+          <a:lstStyle/>
+          <a:p>
+            <a:pPr algn="ctr"/>
+            <a:r>
+              <a:rPr lang="en-US" sz="3200" dirty="0"/>
+              <a:t>What specific tools were used to create the server and client programs?</a:t>
+            </a:r>
+          </a:p>
+        </p:txBody>
+      </p:sp>
+      <p:sp>
+        <p:nvSpPr>
+          <p:cNvPr id="3" name="TextBox 2">
+            <a:extLst>
+              <a:ext uri="{FF2B5EF4-FFF2-40B4-BE49-F238E27FC236}">
+                <a16:creationId xmlns:a16="http://schemas.microsoft.com/office/drawing/2014/main" id="{5F4ACFE1-A282-4080-8BC4-65A11EB18EC2}"/>
+              </a:ext>
+            </a:extLst>
+          </p:cNvPr>
+          <p:cNvSpPr txBox="1"/>
+          <p:nvPr/>
+        </p:nvSpPr>
+        <p:spPr>
+          <a:xfrm>
+            <a:off x="466531" y="1278294"/>
+            <a:ext cx="11168742" cy="8402300"/>
+          </a:xfrm>
+          <a:prstGeom prst="rect">
+            <a:avLst/>
+          </a:prstGeom>
+          <a:noFill/>
+        </p:spPr>
+        <p:txBody>
+          <a:bodyPr wrap="square" rtlCol="0">
+            <a:spAutoFit/>
+          </a:bodyPr>
+          <a:lstStyle/>
+          <a:p>
+            <a:pPr marL="342900" indent="-342900">
+              <a:lnSpc>
+                <a:spcPct val="150000"/>
+              </a:lnSpc>
+              <a:buFont typeface="Arial" panose="020B0604020202020204" pitchFamily="34" charset="0"/>
+              <a:buChar char="•"/>
+            </a:pPr>
+            <a:r>
+              <a:rPr lang="en-US" sz="2400" dirty="0">
+                <a:solidFill>
+                  <a:schemeClr val="bg1"/>
+                </a:solidFill>
+              </a:rPr>
+              <a:t>The client and server programs were written in C by Jay. The client program sends requests to pull data from the server. The client must establish a connection to the server in order to function properly.</a:t>
+            </a:r>
+          </a:p>
+          <a:p>
+            <a:pPr marL="342900" indent="-342900">
+              <a:lnSpc>
+                <a:spcPct val="150000"/>
+              </a:lnSpc>
+              <a:buFont typeface="Arial" panose="020B0604020202020204" pitchFamily="34" charset="0"/>
+              <a:buChar char="•"/>
+            </a:pPr>
+            <a:endParaRPr lang="en-US" sz="2400" dirty="0">
+              <a:solidFill>
+                <a:schemeClr val="bg1"/>
+              </a:solidFill>
+            </a:endParaRPr>
+          </a:p>
+          <a:p>
+            <a:pPr marL="342900" indent="-342900">
+              <a:lnSpc>
+                <a:spcPct val="150000"/>
+              </a:lnSpc>
+              <a:buFont typeface="Arial" panose="020B0604020202020204" pitchFamily="34" charset="0"/>
+              <a:buChar char="•"/>
+            </a:pPr>
+            <a:r>
+              <a:rPr lang="en-US" sz="2400" dirty="0">
+                <a:solidFill>
+                  <a:schemeClr val="bg1"/>
+                </a:solidFill>
+              </a:rPr>
+              <a:t>The client and server programs were created through a process known as socket programming. The client side program takes the IP address and TCP port as arguments to be able to establish a connection. </a:t>
+            </a:r>
+          </a:p>
+          <a:p>
+            <a:pPr marL="342900" indent="-342900">
+              <a:lnSpc>
+                <a:spcPct val="150000"/>
+              </a:lnSpc>
+              <a:buFont typeface="Arial" panose="020B0604020202020204" pitchFamily="34" charset="0"/>
+              <a:buChar char="•"/>
+            </a:pPr>
+            <a:endParaRPr lang="en-US" sz="2400" dirty="0">
+              <a:solidFill>
+                <a:schemeClr val="bg1"/>
+              </a:solidFill>
+            </a:endParaRPr>
+          </a:p>
+          <a:p>
+            <a:pPr marL="342900" indent="-342900">
+              <a:lnSpc>
+                <a:spcPct val="150000"/>
+              </a:lnSpc>
+              <a:buFont typeface="Arial" panose="020B0604020202020204" pitchFamily="34" charset="0"/>
+              <a:buChar char="•"/>
+            </a:pPr>
+            <a:r>
+              <a:rPr lang="en-US" sz="2400" dirty="0">
+                <a:solidFill>
+                  <a:schemeClr val="bg1"/>
+                </a:solidFill>
+              </a:rPr>
+              <a:t>A socket must be declared in the program and opened up to allow a connection to be established. </a:t>
+            </a:r>
+          </a:p>
+          <a:p>
+            <a:pPr marL="342900" indent="-342900">
+              <a:lnSpc>
+                <a:spcPct val="150000"/>
+              </a:lnSpc>
+              <a:buFont typeface="Arial" panose="020B0604020202020204" pitchFamily="34" charset="0"/>
+              <a:buChar char="•"/>
+            </a:pPr>
+            <a:endParaRPr lang="en-US" sz="2400" dirty="0">
+              <a:solidFill>
+                <a:schemeClr val="bg1"/>
+              </a:solidFill>
+            </a:endParaRPr>
+          </a:p>
+          <a:p>
+            <a:pPr marL="342900" indent="-342900">
+              <a:lnSpc>
+                <a:spcPct val="150000"/>
+              </a:lnSpc>
+              <a:buFont typeface="Arial" panose="020B0604020202020204" pitchFamily="34" charset="0"/>
+              <a:buChar char="•"/>
+            </a:pPr>
+            <a:endParaRPr lang="en-US" sz="2400" dirty="0">
+              <a:solidFill>
+                <a:schemeClr val="bg1"/>
+              </a:solidFill>
+            </a:endParaRPr>
+          </a:p>
+          <a:p>
+            <a:pPr marL="342900" indent="-342900">
+              <a:lnSpc>
+                <a:spcPct val="150000"/>
+              </a:lnSpc>
+              <a:buFont typeface="Arial" panose="020B0604020202020204" pitchFamily="34" charset="0"/>
+              <a:buChar char="•"/>
+            </a:pPr>
+            <a:endParaRPr lang="en-US" sz="2400" dirty="0">
+              <a:solidFill>
+                <a:schemeClr val="bg1"/>
+              </a:solidFill>
+            </a:endParaRPr>
+          </a:p>
+          <a:p>
+            <a:pPr marL="342900" indent="-342900">
+              <a:lnSpc>
+                <a:spcPct val="150000"/>
+              </a:lnSpc>
+              <a:buFont typeface="Arial" panose="020B0604020202020204" pitchFamily="34" charset="0"/>
+              <a:buChar char="•"/>
+            </a:pPr>
+            <a:endParaRPr lang="en-US" sz="2400" dirty="0">
+              <a:solidFill>
+                <a:schemeClr val="bg1"/>
+              </a:solidFill>
+            </a:endParaRPr>
+          </a:p>
+          <a:p>
+            <a:pPr>
+              <a:lnSpc>
+                <a:spcPct val="150000"/>
+              </a:lnSpc>
+            </a:pPr>
+            <a:endParaRPr lang="en-US" sz="2400" dirty="0">
+              <a:solidFill>
+                <a:schemeClr val="bg1"/>
+              </a:solidFill>
+            </a:endParaRPr>
+          </a:p>
+        </p:txBody>
+      </p:sp>
+    </p:spTree>
+    <p:extLst>
+      <p:ext uri="{BB962C8B-B14F-4D97-AF65-F5344CB8AC3E}">
+        <p14:creationId xmlns:p14="http://schemas.microsoft.com/office/powerpoint/2010/main" val="265781591"/>
+      </p:ext>
+    </p:extLst>
+  </p:cSld>
+  <p:clrMapOvr>
+    <a:masterClrMapping/>
+  </p:clrMapOvr>
+</p:sld>
+</file>
+
+<file path=ppt/slides/slide6.xml><?xml version="1.0" encoding="utf-8"?>
+<p:sld xmlns:a="http://schemas.openxmlformats.org/drawingml/2006/main" xmlns:r="http://schemas.openxmlformats.org/officeDocument/2006/relationships" xmlns:p="http://schemas.openxmlformats.org/presentationml/2006/main">
+  <p:cSld>
+    <p:spTree>
+      <p:nvGrpSpPr>
+        <p:cNvPr id="1" name=""/>
+        <p:cNvGrpSpPr/>
+        <p:nvPr/>
+      </p:nvGrpSpPr>
+      <p:grpSpPr>
+        <a:xfrm>
+          <a:off x="0" y="0"/>
+          <a:ext cx="0" cy="0"/>
+          <a:chOff x="0" y="0"/>
+          <a:chExt cx="0" cy="0"/>
+        </a:xfrm>
+      </p:grpSpPr>
+    </p:spTree>
+    <p:extLst>
+      <p:ext uri="{BB962C8B-B14F-4D97-AF65-F5344CB8AC3E}">
+        <p14:creationId xmlns:p14="http://schemas.microsoft.com/office/powerpoint/2010/main" val="1221605544"/>
+      </p:ext>
+    </p:extLst>
+  </p:cSld>
+  <p:clrMapOvr>
+    <a:masterClrMapping/>
+  </p:clrMapOvr>
+</p:sld>
+</file>
+
+<file path=ppt/slides/slide7.xml><?xml version="1.0" encoding="utf-8"?>
+<p:sld xmlns:a="http://schemas.openxmlformats.org/drawingml/2006/main" xmlns:r="http://schemas.openxmlformats.org/officeDocument/2006/relationships" xmlns:p="http://schemas.openxmlformats.org/presentationml/2006/main">
+  <p:cSld>
+    <p:spTree>
+      <p:nvGrpSpPr>
+        <p:cNvPr id="1" name=""/>
+        <p:cNvGrpSpPr/>
+        <p:nvPr/>
+      </p:nvGrpSpPr>
+      <p:grpSpPr>
+        <a:xfrm>
+          <a:off x="0" y="0"/>
+          <a:ext cx="0" cy="0"/>
+          <a:chOff x="0" y="0"/>
+          <a:chExt cx="0" cy="0"/>
+        </a:xfrm>
+      </p:grpSpPr>
+      <p:sp>
+        <p:nvSpPr>
+          <p:cNvPr id="2" name="TextBox 1">
+            <a:extLst>
+              <a:ext uri="{FF2B5EF4-FFF2-40B4-BE49-F238E27FC236}">
+                <a16:creationId xmlns:a16="http://schemas.microsoft.com/office/drawing/2014/main" id="{EC3ED056-E87A-4C2E-B0C5-0D5BE96B24D6}"/>
+              </a:ext>
+            </a:extLst>
+          </p:cNvPr>
+          <p:cNvSpPr txBox="1"/>
+          <p:nvPr/>
+        </p:nvSpPr>
+        <p:spPr>
+          <a:xfrm>
+            <a:off x="466531" y="401216"/>
+            <a:ext cx="11066106" cy="584775"/>
+          </a:xfrm>
+          <a:prstGeom prst="rect">
+            <a:avLst/>
+          </a:prstGeom>
+          <a:noFill/>
+        </p:spPr>
+        <p:txBody>
+          <a:bodyPr wrap="square" rtlCol="0">
+            <a:spAutoFit/>
+          </a:bodyPr>
+          <a:lstStyle/>
+          <a:p>
+            <a:pPr algn="ctr"/>
+            <a:r>
+              <a:rPr lang="en-US" sz="3200" dirty="0"/>
+              <a:t>Chat Program Attempt</a:t>
+            </a:r>
+          </a:p>
+        </p:txBody>
+      </p:sp>
+      <p:sp>
+        <p:nvSpPr>
+          <p:cNvPr id="3" name="TextBox 2">
+            <a:extLst>
+              <a:ext uri="{FF2B5EF4-FFF2-40B4-BE49-F238E27FC236}">
+                <a16:creationId xmlns:a16="http://schemas.microsoft.com/office/drawing/2014/main" id="{DE86416E-094A-42F0-BCAB-EF90DD2D4F08}"/>
+              </a:ext>
+            </a:extLst>
+          </p:cNvPr>
+          <p:cNvSpPr txBox="1"/>
+          <p:nvPr/>
+        </p:nvSpPr>
+        <p:spPr>
+          <a:xfrm>
+            <a:off x="466531" y="1483567"/>
+            <a:ext cx="11131420" cy="5078313"/>
+          </a:xfrm>
+          <a:prstGeom prst="rect">
+            <a:avLst/>
+          </a:prstGeom>
+          <a:noFill/>
+        </p:spPr>
+        <p:txBody>
+          <a:bodyPr wrap="square" rtlCol="0">
+            <a:spAutoFit/>
+          </a:bodyPr>
+          <a:lstStyle/>
+          <a:p>
+            <a:pPr marL="457200" indent="-457200">
+              <a:lnSpc>
+                <a:spcPct val="150000"/>
+              </a:lnSpc>
+              <a:buFont typeface="Arial" panose="020B0604020202020204" pitchFamily="34" charset="0"/>
+              <a:buChar char="•"/>
+            </a:pPr>
+            <a:r>
+              <a:rPr lang="en-US" sz="2400" dirty="0">
+                <a:solidFill>
+                  <a:schemeClr val="bg1"/>
+                </a:solidFill>
+              </a:rPr>
+              <a:t>One of the most interesting aspects of the Twitch streaming platform is the chat function. The project </a:t>
+            </a:r>
+            <a:r>
+              <a:rPr lang="en-US" sz="2400" dirty="0" err="1">
+                <a:solidFill>
+                  <a:schemeClr val="bg1"/>
+                </a:solidFill>
+              </a:rPr>
+              <a:t>Github</a:t>
+            </a:r>
+            <a:r>
+              <a:rPr lang="en-US" sz="2400" dirty="0">
+                <a:solidFill>
+                  <a:schemeClr val="bg1"/>
+                </a:solidFill>
+              </a:rPr>
+              <a:t> includes a not quite fully functional version of the chat service (with a lot less space for users available). </a:t>
+            </a:r>
+          </a:p>
+          <a:p>
+            <a:pPr marL="457200" indent="-457200">
+              <a:lnSpc>
+                <a:spcPct val="150000"/>
+              </a:lnSpc>
+              <a:buFont typeface="Arial" panose="020B0604020202020204" pitchFamily="34" charset="0"/>
+              <a:buChar char="•"/>
+            </a:pPr>
+            <a:r>
+              <a:rPr lang="en-US" sz="2400" dirty="0">
+                <a:solidFill>
+                  <a:schemeClr val="bg1"/>
+                </a:solidFill>
+              </a:rPr>
+              <a:t>This portion of the project was created by Ray. </a:t>
+            </a:r>
+          </a:p>
+          <a:p>
+            <a:pPr marL="457200" indent="-457200">
+              <a:lnSpc>
+                <a:spcPct val="150000"/>
+              </a:lnSpc>
+              <a:buFont typeface="Arial" panose="020B0604020202020204" pitchFamily="34" charset="0"/>
+              <a:buChar char="•"/>
+            </a:pPr>
+            <a:r>
+              <a:rPr lang="en-US" sz="2400" dirty="0">
+                <a:solidFill>
+                  <a:schemeClr val="bg1"/>
+                </a:solidFill>
+              </a:rPr>
+              <a:t>The idea behind the program is for each user to be given some nickname or form of unique identification. Then users can message other users who are connected to the server while simultaneously running the </a:t>
+            </a:r>
+            <a:r>
+              <a:rPr lang="en-US" sz="2400">
+                <a:solidFill>
+                  <a:schemeClr val="bg1"/>
+                </a:solidFill>
+              </a:rPr>
+              <a:t>game program. </a:t>
+            </a:r>
+          </a:p>
+        </p:txBody>
+      </p:sp>
+    </p:spTree>
+    <p:extLst>
+      <p:ext uri="{BB962C8B-B14F-4D97-AF65-F5344CB8AC3E}">
+        <p14:creationId xmlns:p14="http://schemas.microsoft.com/office/powerpoint/2010/main" val="1355718327"/>
       </p:ext>
     </p:extLst>
   </p:cSld>
